--- a/Presentation1.pptx
+++ b/Presentation1.pptx
@@ -5,8 +5,7 @@
     <p:sldMasterId id="2147483648" r:id="rId1"/>
   </p:sldMasterIdLst>
   <p:sldIdLst>
-    <p:sldId id="257" r:id="rId2"/>
-    <p:sldId id="258" r:id="rId3"/>
+    <p:sldId id="256" r:id="rId2"/>
   </p:sldIdLst>
   <p:sldSz cx="12192000" cy="6858000"/>
   <p:notesSz cx="6858000" cy="9144000"/>
@@ -130,7 +129,7 @@
           <p:cNvPr id="2" name="Title 1">
             <a:extLst>
               <a:ext uri="{FF2B5EF4-FFF2-40B4-BE49-F238E27FC236}">
-                <a16:creationId xmlns:a16="http://schemas.microsoft.com/office/drawing/2014/main" id="{B79977D0-D392-0CA5-D278-C22E9C90E9C9}"/>
+                <a16:creationId xmlns:a16="http://schemas.microsoft.com/office/drawing/2014/main" id="{A152F497-52FE-D9AB-18FE-9FFA9FC3539B}"/>
               </a:ext>
             </a:extLst>
           </p:cNvPr>
@@ -167,7 +166,7 @@
           <p:cNvPr id="3" name="Subtitle 2">
             <a:extLst>
               <a:ext uri="{FF2B5EF4-FFF2-40B4-BE49-F238E27FC236}">
-                <a16:creationId xmlns:a16="http://schemas.microsoft.com/office/drawing/2014/main" id="{52AE935F-ABBD-A44C-29D6-8C2BE2E265B2}"/>
+                <a16:creationId xmlns:a16="http://schemas.microsoft.com/office/drawing/2014/main" id="{2BD14984-545D-9B94-11F3-8080B29FE5E0}"/>
               </a:ext>
             </a:extLst>
           </p:cNvPr>
@@ -237,7 +236,7 @@
           <p:cNvPr id="4" name="Date Placeholder 3">
             <a:extLst>
               <a:ext uri="{FF2B5EF4-FFF2-40B4-BE49-F238E27FC236}">
-                <a16:creationId xmlns:a16="http://schemas.microsoft.com/office/drawing/2014/main" id="{A46EDA0C-DEC2-40E4-17DC-9C5BED0B7071}"/>
+                <a16:creationId xmlns:a16="http://schemas.microsoft.com/office/drawing/2014/main" id="{A285D18F-A5C9-9726-7BD4-0A812DE5DC7A}"/>
               </a:ext>
             </a:extLst>
           </p:cNvPr>
@@ -253,7 +252,7 @@
           <a:bodyPr/>
           <a:lstStyle/>
           <a:p>
-            <a:fld id="{461BD409-DA47-4654-886D-9D0C5D89F611}" type="datetimeFigureOut">
+            <a:fld id="{D29B1D8A-FDDB-4734-AB1B-0E0871965C29}" type="datetimeFigureOut">
               <a:rPr lang="en-US" smtClean="0"/>
               <a:t>5/4/2025</a:t>
             </a:fld>
@@ -266,7 +265,7 @@
           <p:cNvPr id="5" name="Footer Placeholder 4">
             <a:extLst>
               <a:ext uri="{FF2B5EF4-FFF2-40B4-BE49-F238E27FC236}">
-                <a16:creationId xmlns:a16="http://schemas.microsoft.com/office/drawing/2014/main" id="{A1A8598B-D6C5-7FDB-8590-514EC16A884F}"/>
+                <a16:creationId xmlns:a16="http://schemas.microsoft.com/office/drawing/2014/main" id="{004375EE-7C08-6607-5D49-463E941BB856}"/>
               </a:ext>
             </a:extLst>
           </p:cNvPr>
@@ -291,7 +290,7 @@
           <p:cNvPr id="6" name="Slide Number Placeholder 5">
             <a:extLst>
               <a:ext uri="{FF2B5EF4-FFF2-40B4-BE49-F238E27FC236}">
-                <a16:creationId xmlns:a16="http://schemas.microsoft.com/office/drawing/2014/main" id="{6960075C-EFED-F96B-DF4C-4659839438E5}"/>
+                <a16:creationId xmlns:a16="http://schemas.microsoft.com/office/drawing/2014/main" id="{439AD1BB-6A0A-E46A-8BE9-14279C3E3342}"/>
               </a:ext>
             </a:extLst>
           </p:cNvPr>
@@ -307,7 +306,7 @@
           <a:bodyPr/>
           <a:lstStyle/>
           <a:p>
-            <a:fld id="{B9BF5304-8293-406F-8F5B-287AC3D00D62}" type="slidenum">
+            <a:fld id="{F6F9800A-3BD3-41B0-AA9B-D44257CAC15C}" type="slidenum">
               <a:rPr lang="en-US" smtClean="0"/>
               <a:t>‹#›</a:t>
             </a:fld>
@@ -318,7 +317,7 @@
     </p:spTree>
     <p:extLst>
       <p:ext uri="{BB962C8B-B14F-4D97-AF65-F5344CB8AC3E}">
-        <p14:creationId xmlns:p14="http://schemas.microsoft.com/office/powerpoint/2010/main" val="1421235013"/>
+        <p14:creationId xmlns:p14="http://schemas.microsoft.com/office/powerpoint/2010/main" val="219538299"/>
       </p:ext>
     </p:extLst>
   </p:cSld>
@@ -350,7 +349,7 @@
           <p:cNvPr id="2" name="Title 1">
             <a:extLst>
               <a:ext uri="{FF2B5EF4-FFF2-40B4-BE49-F238E27FC236}">
-                <a16:creationId xmlns:a16="http://schemas.microsoft.com/office/drawing/2014/main" id="{F20D7F56-3292-A42E-ACFB-80D8E04DBAD3}"/>
+                <a16:creationId xmlns:a16="http://schemas.microsoft.com/office/drawing/2014/main" id="{F469214D-AC97-7B24-C29D-0C5A61327F0A}"/>
               </a:ext>
             </a:extLst>
           </p:cNvPr>
@@ -378,7 +377,7 @@
           <p:cNvPr id="3" name="Vertical Text Placeholder 2">
             <a:extLst>
               <a:ext uri="{FF2B5EF4-FFF2-40B4-BE49-F238E27FC236}">
-                <a16:creationId xmlns:a16="http://schemas.microsoft.com/office/drawing/2014/main" id="{79C414FC-DFB5-7AB7-A36E-A9E431034C67}"/>
+                <a16:creationId xmlns:a16="http://schemas.microsoft.com/office/drawing/2014/main" id="{3148C299-4425-4B8F-765D-AD1C0CA1F4CB}"/>
               </a:ext>
             </a:extLst>
           </p:cNvPr>
@@ -435,7 +434,7 @@
           <p:cNvPr id="4" name="Date Placeholder 3">
             <a:extLst>
               <a:ext uri="{FF2B5EF4-FFF2-40B4-BE49-F238E27FC236}">
-                <a16:creationId xmlns:a16="http://schemas.microsoft.com/office/drawing/2014/main" id="{2DE8ED5C-761E-E819-D25D-EEBDCC8511BE}"/>
+                <a16:creationId xmlns:a16="http://schemas.microsoft.com/office/drawing/2014/main" id="{FF260A4E-66CD-B1A3-0272-B17605222F1C}"/>
               </a:ext>
             </a:extLst>
           </p:cNvPr>
@@ -451,7 +450,7 @@
           <a:bodyPr/>
           <a:lstStyle/>
           <a:p>
-            <a:fld id="{461BD409-DA47-4654-886D-9D0C5D89F611}" type="datetimeFigureOut">
+            <a:fld id="{D29B1D8A-FDDB-4734-AB1B-0E0871965C29}" type="datetimeFigureOut">
               <a:rPr lang="en-US" smtClean="0"/>
               <a:t>5/4/2025</a:t>
             </a:fld>
@@ -464,7 +463,7 @@
           <p:cNvPr id="5" name="Footer Placeholder 4">
             <a:extLst>
               <a:ext uri="{FF2B5EF4-FFF2-40B4-BE49-F238E27FC236}">
-                <a16:creationId xmlns:a16="http://schemas.microsoft.com/office/drawing/2014/main" id="{27502633-B69C-F827-DEB2-0FBD9E7D30C7}"/>
+                <a16:creationId xmlns:a16="http://schemas.microsoft.com/office/drawing/2014/main" id="{EAC290DF-2BA8-4075-E4E4-FD8303EB2E63}"/>
               </a:ext>
             </a:extLst>
           </p:cNvPr>
@@ -489,7 +488,7 @@
           <p:cNvPr id="6" name="Slide Number Placeholder 5">
             <a:extLst>
               <a:ext uri="{FF2B5EF4-FFF2-40B4-BE49-F238E27FC236}">
-                <a16:creationId xmlns:a16="http://schemas.microsoft.com/office/drawing/2014/main" id="{68E8B0CA-9753-6C84-6BED-2E510029AD45}"/>
+                <a16:creationId xmlns:a16="http://schemas.microsoft.com/office/drawing/2014/main" id="{CCBA54FC-9F02-D058-FFFA-82F0033B78AC}"/>
               </a:ext>
             </a:extLst>
           </p:cNvPr>
@@ -505,7 +504,7 @@
           <a:bodyPr/>
           <a:lstStyle/>
           <a:p>
-            <a:fld id="{B9BF5304-8293-406F-8F5B-287AC3D00D62}" type="slidenum">
+            <a:fld id="{F6F9800A-3BD3-41B0-AA9B-D44257CAC15C}" type="slidenum">
               <a:rPr lang="en-US" smtClean="0"/>
               <a:t>‹#›</a:t>
             </a:fld>
@@ -516,7 +515,7 @@
     </p:spTree>
     <p:extLst>
       <p:ext uri="{BB962C8B-B14F-4D97-AF65-F5344CB8AC3E}">
-        <p14:creationId xmlns:p14="http://schemas.microsoft.com/office/powerpoint/2010/main" val="1804820550"/>
+        <p14:creationId xmlns:p14="http://schemas.microsoft.com/office/powerpoint/2010/main" val="1327263097"/>
       </p:ext>
     </p:extLst>
   </p:cSld>
@@ -548,7 +547,7 @@
           <p:cNvPr id="2" name="Vertical Title 1">
             <a:extLst>
               <a:ext uri="{FF2B5EF4-FFF2-40B4-BE49-F238E27FC236}">
-                <a16:creationId xmlns:a16="http://schemas.microsoft.com/office/drawing/2014/main" id="{1862BC54-3657-32BF-9122-FB8EA2D79C23}"/>
+                <a16:creationId xmlns:a16="http://schemas.microsoft.com/office/drawing/2014/main" id="{474B1CEA-BA3A-8175-E3BD-D82A5EAD5604}"/>
               </a:ext>
             </a:extLst>
           </p:cNvPr>
@@ -581,7 +580,7 @@
           <p:cNvPr id="3" name="Vertical Text Placeholder 2">
             <a:extLst>
               <a:ext uri="{FF2B5EF4-FFF2-40B4-BE49-F238E27FC236}">
-                <a16:creationId xmlns:a16="http://schemas.microsoft.com/office/drawing/2014/main" id="{3829E73D-148E-3848-2B37-5657623E1727}"/>
+                <a16:creationId xmlns:a16="http://schemas.microsoft.com/office/drawing/2014/main" id="{C46DC821-4A22-5AD5-BECA-5089E9E25AA4}"/>
               </a:ext>
             </a:extLst>
           </p:cNvPr>
@@ -643,7 +642,7 @@
           <p:cNvPr id="4" name="Date Placeholder 3">
             <a:extLst>
               <a:ext uri="{FF2B5EF4-FFF2-40B4-BE49-F238E27FC236}">
-                <a16:creationId xmlns:a16="http://schemas.microsoft.com/office/drawing/2014/main" id="{CA4305D3-43A8-3016-BF1E-A578EDD314B0}"/>
+                <a16:creationId xmlns:a16="http://schemas.microsoft.com/office/drawing/2014/main" id="{9A7BDAED-5B0A-8BE0-2384-88AE1591B506}"/>
               </a:ext>
             </a:extLst>
           </p:cNvPr>
@@ -659,7 +658,7 @@
           <a:bodyPr/>
           <a:lstStyle/>
           <a:p>
-            <a:fld id="{461BD409-DA47-4654-886D-9D0C5D89F611}" type="datetimeFigureOut">
+            <a:fld id="{D29B1D8A-FDDB-4734-AB1B-0E0871965C29}" type="datetimeFigureOut">
               <a:rPr lang="en-US" smtClean="0"/>
               <a:t>5/4/2025</a:t>
             </a:fld>
@@ -672,7 +671,7 @@
           <p:cNvPr id="5" name="Footer Placeholder 4">
             <a:extLst>
               <a:ext uri="{FF2B5EF4-FFF2-40B4-BE49-F238E27FC236}">
-                <a16:creationId xmlns:a16="http://schemas.microsoft.com/office/drawing/2014/main" id="{550F607B-B919-6B48-50CA-EFC3090E59F9}"/>
+                <a16:creationId xmlns:a16="http://schemas.microsoft.com/office/drawing/2014/main" id="{4BAFB071-332A-3BD4-E39B-A95285F87F2B}"/>
               </a:ext>
             </a:extLst>
           </p:cNvPr>
@@ -697,7 +696,7 @@
           <p:cNvPr id="6" name="Slide Number Placeholder 5">
             <a:extLst>
               <a:ext uri="{FF2B5EF4-FFF2-40B4-BE49-F238E27FC236}">
-                <a16:creationId xmlns:a16="http://schemas.microsoft.com/office/drawing/2014/main" id="{D017658B-BEEA-1DC1-C126-DD2CD17A2729}"/>
+                <a16:creationId xmlns:a16="http://schemas.microsoft.com/office/drawing/2014/main" id="{A7272F08-51DA-7DDE-8F42-4929431489FF}"/>
               </a:ext>
             </a:extLst>
           </p:cNvPr>
@@ -713,7 +712,7 @@
           <a:bodyPr/>
           <a:lstStyle/>
           <a:p>
-            <a:fld id="{B9BF5304-8293-406F-8F5B-287AC3D00D62}" type="slidenum">
+            <a:fld id="{F6F9800A-3BD3-41B0-AA9B-D44257CAC15C}" type="slidenum">
               <a:rPr lang="en-US" smtClean="0"/>
               <a:t>‹#›</a:t>
             </a:fld>
@@ -724,7 +723,7 @@
     </p:spTree>
     <p:extLst>
       <p:ext uri="{BB962C8B-B14F-4D97-AF65-F5344CB8AC3E}">
-        <p14:creationId xmlns:p14="http://schemas.microsoft.com/office/powerpoint/2010/main" val="3799846213"/>
+        <p14:creationId xmlns:p14="http://schemas.microsoft.com/office/powerpoint/2010/main" val="3128472137"/>
       </p:ext>
     </p:extLst>
   </p:cSld>
@@ -756,7 +755,7 @@
           <p:cNvPr id="2" name="Title 1">
             <a:extLst>
               <a:ext uri="{FF2B5EF4-FFF2-40B4-BE49-F238E27FC236}">
-                <a16:creationId xmlns:a16="http://schemas.microsoft.com/office/drawing/2014/main" id="{36E37B7F-973A-0D66-F4AE-03E27152C541}"/>
+                <a16:creationId xmlns:a16="http://schemas.microsoft.com/office/drawing/2014/main" id="{BE284A0B-07D3-CBE0-64B8-A51FB25F5E45}"/>
               </a:ext>
             </a:extLst>
           </p:cNvPr>
@@ -784,7 +783,7 @@
           <p:cNvPr id="3" name="Content Placeholder 2">
             <a:extLst>
               <a:ext uri="{FF2B5EF4-FFF2-40B4-BE49-F238E27FC236}">
-                <a16:creationId xmlns:a16="http://schemas.microsoft.com/office/drawing/2014/main" id="{42006FF6-AB8C-5023-C246-1AE7B8022A6B}"/>
+                <a16:creationId xmlns:a16="http://schemas.microsoft.com/office/drawing/2014/main" id="{3C4EB183-5E53-D7D5-0B11-38A7C8D39D92}"/>
               </a:ext>
             </a:extLst>
           </p:cNvPr>
@@ -841,7 +840,7 @@
           <p:cNvPr id="4" name="Date Placeholder 3">
             <a:extLst>
               <a:ext uri="{FF2B5EF4-FFF2-40B4-BE49-F238E27FC236}">
-                <a16:creationId xmlns:a16="http://schemas.microsoft.com/office/drawing/2014/main" id="{65B16F59-25D1-4FA3-AD92-BCE15A76A343}"/>
+                <a16:creationId xmlns:a16="http://schemas.microsoft.com/office/drawing/2014/main" id="{1CAE6FA0-D0B9-718F-861A-215C5FB6CFE0}"/>
               </a:ext>
             </a:extLst>
           </p:cNvPr>
@@ -857,7 +856,7 @@
           <a:bodyPr/>
           <a:lstStyle/>
           <a:p>
-            <a:fld id="{461BD409-DA47-4654-886D-9D0C5D89F611}" type="datetimeFigureOut">
+            <a:fld id="{D29B1D8A-FDDB-4734-AB1B-0E0871965C29}" type="datetimeFigureOut">
               <a:rPr lang="en-US" smtClean="0"/>
               <a:t>5/4/2025</a:t>
             </a:fld>
@@ -870,7 +869,7 @@
           <p:cNvPr id="5" name="Footer Placeholder 4">
             <a:extLst>
               <a:ext uri="{FF2B5EF4-FFF2-40B4-BE49-F238E27FC236}">
-                <a16:creationId xmlns:a16="http://schemas.microsoft.com/office/drawing/2014/main" id="{66C7F837-D86E-5C63-8DB1-F36FD3F84849}"/>
+                <a16:creationId xmlns:a16="http://schemas.microsoft.com/office/drawing/2014/main" id="{6901A6B7-9679-CE34-438A-4756F2540AA5}"/>
               </a:ext>
             </a:extLst>
           </p:cNvPr>
@@ -895,7 +894,7 @@
           <p:cNvPr id="6" name="Slide Number Placeholder 5">
             <a:extLst>
               <a:ext uri="{FF2B5EF4-FFF2-40B4-BE49-F238E27FC236}">
-                <a16:creationId xmlns:a16="http://schemas.microsoft.com/office/drawing/2014/main" id="{EF4CB368-0E4F-2A5F-503B-C23CCF8B31CB}"/>
+                <a16:creationId xmlns:a16="http://schemas.microsoft.com/office/drawing/2014/main" id="{164D9F75-F234-0923-D936-308AFD495B46}"/>
               </a:ext>
             </a:extLst>
           </p:cNvPr>
@@ -911,7 +910,7 @@
           <a:bodyPr/>
           <a:lstStyle/>
           <a:p>
-            <a:fld id="{B9BF5304-8293-406F-8F5B-287AC3D00D62}" type="slidenum">
+            <a:fld id="{F6F9800A-3BD3-41B0-AA9B-D44257CAC15C}" type="slidenum">
               <a:rPr lang="en-US" smtClean="0"/>
               <a:t>‹#›</a:t>
             </a:fld>
@@ -922,7 +921,7 @@
     </p:spTree>
     <p:extLst>
       <p:ext uri="{BB962C8B-B14F-4D97-AF65-F5344CB8AC3E}">
-        <p14:creationId xmlns:p14="http://schemas.microsoft.com/office/powerpoint/2010/main" val="1809122654"/>
+        <p14:creationId xmlns:p14="http://schemas.microsoft.com/office/powerpoint/2010/main" val="1019949503"/>
       </p:ext>
     </p:extLst>
   </p:cSld>
@@ -954,7 +953,7 @@
           <p:cNvPr id="2" name="Title 1">
             <a:extLst>
               <a:ext uri="{FF2B5EF4-FFF2-40B4-BE49-F238E27FC236}">
-                <a16:creationId xmlns:a16="http://schemas.microsoft.com/office/drawing/2014/main" id="{5CEB061C-3370-D779-2C60-BD9F267695B5}"/>
+                <a16:creationId xmlns:a16="http://schemas.microsoft.com/office/drawing/2014/main" id="{069A48F2-BC71-3D0F-0574-6CAB54A4BEDE}"/>
               </a:ext>
             </a:extLst>
           </p:cNvPr>
@@ -991,7 +990,7 @@
           <p:cNvPr id="3" name="Text Placeholder 2">
             <a:extLst>
               <a:ext uri="{FF2B5EF4-FFF2-40B4-BE49-F238E27FC236}">
-                <a16:creationId xmlns:a16="http://schemas.microsoft.com/office/drawing/2014/main" id="{23ACE339-2AE2-1FB5-D774-0EBF4DFD3435}"/>
+                <a16:creationId xmlns:a16="http://schemas.microsoft.com/office/drawing/2014/main" id="{15F1ADF4-4785-7EE3-266E-96FD15E3A26F}"/>
               </a:ext>
             </a:extLst>
           </p:cNvPr>
@@ -1116,7 +1115,7 @@
           <p:cNvPr id="4" name="Date Placeholder 3">
             <a:extLst>
               <a:ext uri="{FF2B5EF4-FFF2-40B4-BE49-F238E27FC236}">
-                <a16:creationId xmlns:a16="http://schemas.microsoft.com/office/drawing/2014/main" id="{BAEF232C-CA75-42C3-39A5-0A9F6BB6C059}"/>
+                <a16:creationId xmlns:a16="http://schemas.microsoft.com/office/drawing/2014/main" id="{D6189F2F-A770-EB8E-9F1E-DBE269EE570F}"/>
               </a:ext>
             </a:extLst>
           </p:cNvPr>
@@ -1132,7 +1131,7 @@
           <a:bodyPr/>
           <a:lstStyle/>
           <a:p>
-            <a:fld id="{461BD409-DA47-4654-886D-9D0C5D89F611}" type="datetimeFigureOut">
+            <a:fld id="{D29B1D8A-FDDB-4734-AB1B-0E0871965C29}" type="datetimeFigureOut">
               <a:rPr lang="en-US" smtClean="0"/>
               <a:t>5/4/2025</a:t>
             </a:fld>
@@ -1145,7 +1144,7 @@
           <p:cNvPr id="5" name="Footer Placeholder 4">
             <a:extLst>
               <a:ext uri="{FF2B5EF4-FFF2-40B4-BE49-F238E27FC236}">
-                <a16:creationId xmlns:a16="http://schemas.microsoft.com/office/drawing/2014/main" id="{F52EE2B5-DB20-C37B-7DA2-98981BD19541}"/>
+                <a16:creationId xmlns:a16="http://schemas.microsoft.com/office/drawing/2014/main" id="{7A46B5CC-54FB-5B95-5975-825E909E7D0C}"/>
               </a:ext>
             </a:extLst>
           </p:cNvPr>
@@ -1170,7 +1169,7 @@
           <p:cNvPr id="6" name="Slide Number Placeholder 5">
             <a:extLst>
               <a:ext uri="{FF2B5EF4-FFF2-40B4-BE49-F238E27FC236}">
-                <a16:creationId xmlns:a16="http://schemas.microsoft.com/office/drawing/2014/main" id="{ABD82F60-C87E-6327-D36B-9E1BC13AE8B3}"/>
+                <a16:creationId xmlns:a16="http://schemas.microsoft.com/office/drawing/2014/main" id="{27EE4354-DFCF-D1BD-3265-6955FC4BE0D4}"/>
               </a:ext>
             </a:extLst>
           </p:cNvPr>
@@ -1186,7 +1185,7 @@
           <a:bodyPr/>
           <a:lstStyle/>
           <a:p>
-            <a:fld id="{B9BF5304-8293-406F-8F5B-287AC3D00D62}" type="slidenum">
+            <a:fld id="{F6F9800A-3BD3-41B0-AA9B-D44257CAC15C}" type="slidenum">
               <a:rPr lang="en-US" smtClean="0"/>
               <a:t>‹#›</a:t>
             </a:fld>
@@ -1197,7 +1196,7 @@
     </p:spTree>
     <p:extLst>
       <p:ext uri="{BB962C8B-B14F-4D97-AF65-F5344CB8AC3E}">
-        <p14:creationId xmlns:p14="http://schemas.microsoft.com/office/powerpoint/2010/main" val="2821722324"/>
+        <p14:creationId xmlns:p14="http://schemas.microsoft.com/office/powerpoint/2010/main" val="461132283"/>
       </p:ext>
     </p:extLst>
   </p:cSld>
@@ -1229,7 +1228,7 @@
           <p:cNvPr id="2" name="Title 1">
             <a:extLst>
               <a:ext uri="{FF2B5EF4-FFF2-40B4-BE49-F238E27FC236}">
-                <a16:creationId xmlns:a16="http://schemas.microsoft.com/office/drawing/2014/main" id="{D4423E6D-6DBB-BFF2-6619-C6E6898BF29E}"/>
+                <a16:creationId xmlns:a16="http://schemas.microsoft.com/office/drawing/2014/main" id="{991C23BD-9D81-F4D2-9633-55E511AF0B08}"/>
               </a:ext>
             </a:extLst>
           </p:cNvPr>
@@ -1257,7 +1256,7 @@
           <p:cNvPr id="3" name="Content Placeholder 2">
             <a:extLst>
               <a:ext uri="{FF2B5EF4-FFF2-40B4-BE49-F238E27FC236}">
-                <a16:creationId xmlns:a16="http://schemas.microsoft.com/office/drawing/2014/main" id="{7008A160-DF49-3239-5484-BACDC4D389B7}"/>
+                <a16:creationId xmlns:a16="http://schemas.microsoft.com/office/drawing/2014/main" id="{2C16FC50-5DD0-C8D8-8240-40E456072413}"/>
               </a:ext>
             </a:extLst>
           </p:cNvPr>
@@ -1319,7 +1318,7 @@
           <p:cNvPr id="4" name="Content Placeholder 3">
             <a:extLst>
               <a:ext uri="{FF2B5EF4-FFF2-40B4-BE49-F238E27FC236}">
-                <a16:creationId xmlns:a16="http://schemas.microsoft.com/office/drawing/2014/main" id="{FD7A031D-23D3-7DF8-F1BB-A76EE33AD3EB}"/>
+                <a16:creationId xmlns:a16="http://schemas.microsoft.com/office/drawing/2014/main" id="{E4746EBC-D24C-DACC-8A58-AF2729C7EB70}"/>
               </a:ext>
             </a:extLst>
           </p:cNvPr>
@@ -1381,7 +1380,7 @@
           <p:cNvPr id="5" name="Date Placeholder 4">
             <a:extLst>
               <a:ext uri="{FF2B5EF4-FFF2-40B4-BE49-F238E27FC236}">
-                <a16:creationId xmlns:a16="http://schemas.microsoft.com/office/drawing/2014/main" id="{1EF74898-CC1E-AF7C-5553-CEA8170B84A7}"/>
+                <a16:creationId xmlns:a16="http://schemas.microsoft.com/office/drawing/2014/main" id="{23515F8A-B1A0-24A2-4447-C8CB3A20963D}"/>
               </a:ext>
             </a:extLst>
           </p:cNvPr>
@@ -1397,7 +1396,7 @@
           <a:bodyPr/>
           <a:lstStyle/>
           <a:p>
-            <a:fld id="{461BD409-DA47-4654-886D-9D0C5D89F611}" type="datetimeFigureOut">
+            <a:fld id="{D29B1D8A-FDDB-4734-AB1B-0E0871965C29}" type="datetimeFigureOut">
               <a:rPr lang="en-US" smtClean="0"/>
               <a:t>5/4/2025</a:t>
             </a:fld>
@@ -1410,7 +1409,7 @@
           <p:cNvPr id="6" name="Footer Placeholder 5">
             <a:extLst>
               <a:ext uri="{FF2B5EF4-FFF2-40B4-BE49-F238E27FC236}">
-                <a16:creationId xmlns:a16="http://schemas.microsoft.com/office/drawing/2014/main" id="{8FF21FC1-A1B2-EC4A-88DD-24ABBF2DF3A2}"/>
+                <a16:creationId xmlns:a16="http://schemas.microsoft.com/office/drawing/2014/main" id="{5753BF8B-AE23-2F35-8AD7-BC98A6BFCA89}"/>
               </a:ext>
             </a:extLst>
           </p:cNvPr>
@@ -1435,7 +1434,7 @@
           <p:cNvPr id="7" name="Slide Number Placeholder 6">
             <a:extLst>
               <a:ext uri="{FF2B5EF4-FFF2-40B4-BE49-F238E27FC236}">
-                <a16:creationId xmlns:a16="http://schemas.microsoft.com/office/drawing/2014/main" id="{18CF5DDB-3A79-7C66-BBDB-F862A656DE23}"/>
+                <a16:creationId xmlns:a16="http://schemas.microsoft.com/office/drawing/2014/main" id="{4FECB715-AB16-657E-2BEC-E4FC3DB8D386}"/>
               </a:ext>
             </a:extLst>
           </p:cNvPr>
@@ -1451,7 +1450,7 @@
           <a:bodyPr/>
           <a:lstStyle/>
           <a:p>
-            <a:fld id="{B9BF5304-8293-406F-8F5B-287AC3D00D62}" type="slidenum">
+            <a:fld id="{F6F9800A-3BD3-41B0-AA9B-D44257CAC15C}" type="slidenum">
               <a:rPr lang="en-US" smtClean="0"/>
               <a:t>‹#›</a:t>
             </a:fld>
@@ -1462,7 +1461,7 @@
     </p:spTree>
     <p:extLst>
       <p:ext uri="{BB962C8B-B14F-4D97-AF65-F5344CB8AC3E}">
-        <p14:creationId xmlns:p14="http://schemas.microsoft.com/office/powerpoint/2010/main" val="2754949927"/>
+        <p14:creationId xmlns:p14="http://schemas.microsoft.com/office/powerpoint/2010/main" val="2106997842"/>
       </p:ext>
     </p:extLst>
   </p:cSld>
@@ -1494,7 +1493,7 @@
           <p:cNvPr id="2" name="Title 1">
             <a:extLst>
               <a:ext uri="{FF2B5EF4-FFF2-40B4-BE49-F238E27FC236}">
-                <a16:creationId xmlns:a16="http://schemas.microsoft.com/office/drawing/2014/main" id="{BE311C4C-AED8-C3A6-74E5-5CBF9391C8F3}"/>
+                <a16:creationId xmlns:a16="http://schemas.microsoft.com/office/drawing/2014/main" id="{E83B181E-19B2-29A3-0630-8FA0632ED3AB}"/>
               </a:ext>
             </a:extLst>
           </p:cNvPr>
@@ -1527,7 +1526,7 @@
           <p:cNvPr id="3" name="Text Placeholder 2">
             <a:extLst>
               <a:ext uri="{FF2B5EF4-FFF2-40B4-BE49-F238E27FC236}">
-                <a16:creationId xmlns:a16="http://schemas.microsoft.com/office/drawing/2014/main" id="{4ECDAAEF-7F58-E6AE-35B1-889B626A20FF}"/>
+                <a16:creationId xmlns:a16="http://schemas.microsoft.com/office/drawing/2014/main" id="{6345EFD2-5BE5-CA02-FE82-F7B53B4CC503}"/>
               </a:ext>
             </a:extLst>
           </p:cNvPr>
@@ -1598,7 +1597,7 @@
           <p:cNvPr id="4" name="Content Placeholder 3">
             <a:extLst>
               <a:ext uri="{FF2B5EF4-FFF2-40B4-BE49-F238E27FC236}">
-                <a16:creationId xmlns:a16="http://schemas.microsoft.com/office/drawing/2014/main" id="{49BF3F5B-185C-E578-1CA5-0C63DD89E171}"/>
+                <a16:creationId xmlns:a16="http://schemas.microsoft.com/office/drawing/2014/main" id="{757B025D-4AC6-E9A6-9B06-0433AE12E46D}"/>
               </a:ext>
             </a:extLst>
           </p:cNvPr>
@@ -1660,7 +1659,7 @@
           <p:cNvPr id="5" name="Text Placeholder 4">
             <a:extLst>
               <a:ext uri="{FF2B5EF4-FFF2-40B4-BE49-F238E27FC236}">
-                <a16:creationId xmlns:a16="http://schemas.microsoft.com/office/drawing/2014/main" id="{195610C3-5046-BF0A-B724-D5A0C84EF71A}"/>
+                <a16:creationId xmlns:a16="http://schemas.microsoft.com/office/drawing/2014/main" id="{815D5A2B-3087-FE85-241F-72CDD1731574}"/>
               </a:ext>
             </a:extLst>
           </p:cNvPr>
@@ -1731,7 +1730,7 @@
           <p:cNvPr id="6" name="Content Placeholder 5">
             <a:extLst>
               <a:ext uri="{FF2B5EF4-FFF2-40B4-BE49-F238E27FC236}">
-                <a16:creationId xmlns:a16="http://schemas.microsoft.com/office/drawing/2014/main" id="{3E3EF1B3-ED82-0E3F-C0AF-60B07A604C3F}"/>
+                <a16:creationId xmlns:a16="http://schemas.microsoft.com/office/drawing/2014/main" id="{87296BB7-347E-FD5E-893D-2668DB873357}"/>
               </a:ext>
             </a:extLst>
           </p:cNvPr>
@@ -1793,7 +1792,7 @@
           <p:cNvPr id="7" name="Date Placeholder 6">
             <a:extLst>
               <a:ext uri="{FF2B5EF4-FFF2-40B4-BE49-F238E27FC236}">
-                <a16:creationId xmlns:a16="http://schemas.microsoft.com/office/drawing/2014/main" id="{F2B69968-C963-E5D6-C6F8-EBB481F242EA}"/>
+                <a16:creationId xmlns:a16="http://schemas.microsoft.com/office/drawing/2014/main" id="{A506BFBA-10C0-EA9D-CA31-431FF435BBF1}"/>
               </a:ext>
             </a:extLst>
           </p:cNvPr>
@@ -1809,7 +1808,7 @@
           <a:bodyPr/>
           <a:lstStyle/>
           <a:p>
-            <a:fld id="{461BD409-DA47-4654-886D-9D0C5D89F611}" type="datetimeFigureOut">
+            <a:fld id="{D29B1D8A-FDDB-4734-AB1B-0E0871965C29}" type="datetimeFigureOut">
               <a:rPr lang="en-US" smtClean="0"/>
               <a:t>5/4/2025</a:t>
             </a:fld>
@@ -1822,7 +1821,7 @@
           <p:cNvPr id="8" name="Footer Placeholder 7">
             <a:extLst>
               <a:ext uri="{FF2B5EF4-FFF2-40B4-BE49-F238E27FC236}">
-                <a16:creationId xmlns:a16="http://schemas.microsoft.com/office/drawing/2014/main" id="{E11D29FC-0BC5-2941-E351-9E393B4C98DB}"/>
+                <a16:creationId xmlns:a16="http://schemas.microsoft.com/office/drawing/2014/main" id="{04CA9E9F-956B-8ECD-1CBD-A43860CAB6B0}"/>
               </a:ext>
             </a:extLst>
           </p:cNvPr>
@@ -1847,7 +1846,7 @@
           <p:cNvPr id="9" name="Slide Number Placeholder 8">
             <a:extLst>
               <a:ext uri="{FF2B5EF4-FFF2-40B4-BE49-F238E27FC236}">
-                <a16:creationId xmlns:a16="http://schemas.microsoft.com/office/drawing/2014/main" id="{F1DAC97A-5B7B-1D7E-7C62-77D90D31708A}"/>
+                <a16:creationId xmlns:a16="http://schemas.microsoft.com/office/drawing/2014/main" id="{7DDAA2E9-67E8-B6F8-6AB3-FE49DFA7E64E}"/>
               </a:ext>
             </a:extLst>
           </p:cNvPr>
@@ -1863,7 +1862,7 @@
           <a:bodyPr/>
           <a:lstStyle/>
           <a:p>
-            <a:fld id="{B9BF5304-8293-406F-8F5B-287AC3D00D62}" type="slidenum">
+            <a:fld id="{F6F9800A-3BD3-41B0-AA9B-D44257CAC15C}" type="slidenum">
               <a:rPr lang="en-US" smtClean="0"/>
               <a:t>‹#›</a:t>
             </a:fld>
@@ -1874,7 +1873,7 @@
     </p:spTree>
     <p:extLst>
       <p:ext uri="{BB962C8B-B14F-4D97-AF65-F5344CB8AC3E}">
-        <p14:creationId xmlns:p14="http://schemas.microsoft.com/office/powerpoint/2010/main" val="1473768556"/>
+        <p14:creationId xmlns:p14="http://schemas.microsoft.com/office/powerpoint/2010/main" val="2196432045"/>
       </p:ext>
     </p:extLst>
   </p:cSld>
@@ -1906,7 +1905,7 @@
           <p:cNvPr id="2" name="Title 1">
             <a:extLst>
               <a:ext uri="{FF2B5EF4-FFF2-40B4-BE49-F238E27FC236}">
-                <a16:creationId xmlns:a16="http://schemas.microsoft.com/office/drawing/2014/main" id="{9BA8F3EB-8364-C159-F8C9-5FC0C816C197}"/>
+                <a16:creationId xmlns:a16="http://schemas.microsoft.com/office/drawing/2014/main" id="{7510EB94-31A6-19F3-30CD-2E08521352AD}"/>
               </a:ext>
             </a:extLst>
           </p:cNvPr>
@@ -1934,7 +1933,7 @@
           <p:cNvPr id="3" name="Date Placeholder 2">
             <a:extLst>
               <a:ext uri="{FF2B5EF4-FFF2-40B4-BE49-F238E27FC236}">
-                <a16:creationId xmlns:a16="http://schemas.microsoft.com/office/drawing/2014/main" id="{5E02B483-94ED-6AE8-6017-7798594D895D}"/>
+                <a16:creationId xmlns:a16="http://schemas.microsoft.com/office/drawing/2014/main" id="{E691AC8F-6E34-763B-776A-7F6784018438}"/>
               </a:ext>
             </a:extLst>
           </p:cNvPr>
@@ -1950,7 +1949,7 @@
           <a:bodyPr/>
           <a:lstStyle/>
           <a:p>
-            <a:fld id="{461BD409-DA47-4654-886D-9D0C5D89F611}" type="datetimeFigureOut">
+            <a:fld id="{D29B1D8A-FDDB-4734-AB1B-0E0871965C29}" type="datetimeFigureOut">
               <a:rPr lang="en-US" smtClean="0"/>
               <a:t>5/4/2025</a:t>
             </a:fld>
@@ -1963,7 +1962,7 @@
           <p:cNvPr id="4" name="Footer Placeholder 3">
             <a:extLst>
               <a:ext uri="{FF2B5EF4-FFF2-40B4-BE49-F238E27FC236}">
-                <a16:creationId xmlns:a16="http://schemas.microsoft.com/office/drawing/2014/main" id="{7D69A780-3E28-803F-03EF-432CAB7C4C64}"/>
+                <a16:creationId xmlns:a16="http://schemas.microsoft.com/office/drawing/2014/main" id="{33CB8248-F08C-D782-E6FD-7480525BCFE4}"/>
               </a:ext>
             </a:extLst>
           </p:cNvPr>
@@ -1988,7 +1987,7 @@
           <p:cNvPr id="5" name="Slide Number Placeholder 4">
             <a:extLst>
               <a:ext uri="{FF2B5EF4-FFF2-40B4-BE49-F238E27FC236}">
-                <a16:creationId xmlns:a16="http://schemas.microsoft.com/office/drawing/2014/main" id="{F4544718-35FF-795E-3DB0-3C9F7B74DB99}"/>
+                <a16:creationId xmlns:a16="http://schemas.microsoft.com/office/drawing/2014/main" id="{4560EE99-17C1-4E5F-CD24-34BD42070FDA}"/>
               </a:ext>
             </a:extLst>
           </p:cNvPr>
@@ -2004,7 +2003,7 @@
           <a:bodyPr/>
           <a:lstStyle/>
           <a:p>
-            <a:fld id="{B9BF5304-8293-406F-8F5B-287AC3D00D62}" type="slidenum">
+            <a:fld id="{F6F9800A-3BD3-41B0-AA9B-D44257CAC15C}" type="slidenum">
               <a:rPr lang="en-US" smtClean="0"/>
               <a:t>‹#›</a:t>
             </a:fld>
@@ -2015,7 +2014,7 @@
     </p:spTree>
     <p:extLst>
       <p:ext uri="{BB962C8B-B14F-4D97-AF65-F5344CB8AC3E}">
-        <p14:creationId xmlns:p14="http://schemas.microsoft.com/office/powerpoint/2010/main" val="294200891"/>
+        <p14:creationId xmlns:p14="http://schemas.microsoft.com/office/powerpoint/2010/main" val="2234240437"/>
       </p:ext>
     </p:extLst>
   </p:cSld>
@@ -2047,7 +2046,7 @@
           <p:cNvPr id="2" name="Date Placeholder 1">
             <a:extLst>
               <a:ext uri="{FF2B5EF4-FFF2-40B4-BE49-F238E27FC236}">
-                <a16:creationId xmlns:a16="http://schemas.microsoft.com/office/drawing/2014/main" id="{360AD685-A827-4244-0812-584F706CD7F5}"/>
+                <a16:creationId xmlns:a16="http://schemas.microsoft.com/office/drawing/2014/main" id="{15C4FB95-EB61-6137-F331-4AB4F140F7A0}"/>
               </a:ext>
             </a:extLst>
           </p:cNvPr>
@@ -2063,7 +2062,7 @@
           <a:bodyPr/>
           <a:lstStyle/>
           <a:p>
-            <a:fld id="{461BD409-DA47-4654-886D-9D0C5D89F611}" type="datetimeFigureOut">
+            <a:fld id="{D29B1D8A-FDDB-4734-AB1B-0E0871965C29}" type="datetimeFigureOut">
               <a:rPr lang="en-US" smtClean="0"/>
               <a:t>5/4/2025</a:t>
             </a:fld>
@@ -2076,7 +2075,7 @@
           <p:cNvPr id="3" name="Footer Placeholder 2">
             <a:extLst>
               <a:ext uri="{FF2B5EF4-FFF2-40B4-BE49-F238E27FC236}">
-                <a16:creationId xmlns:a16="http://schemas.microsoft.com/office/drawing/2014/main" id="{AAD7FFF7-FBF4-1BFC-7F99-ACA477BD6079}"/>
+                <a16:creationId xmlns:a16="http://schemas.microsoft.com/office/drawing/2014/main" id="{0C7565C2-6FF3-0CDE-7F68-1AA3B7621600}"/>
               </a:ext>
             </a:extLst>
           </p:cNvPr>
@@ -2101,7 +2100,7 @@
           <p:cNvPr id="4" name="Slide Number Placeholder 3">
             <a:extLst>
               <a:ext uri="{FF2B5EF4-FFF2-40B4-BE49-F238E27FC236}">
-                <a16:creationId xmlns:a16="http://schemas.microsoft.com/office/drawing/2014/main" id="{02F58CF9-390A-ABF6-5C73-84CBF2C8EB0A}"/>
+                <a16:creationId xmlns:a16="http://schemas.microsoft.com/office/drawing/2014/main" id="{21BB1361-CFE9-5C06-E200-4541476B4219}"/>
               </a:ext>
             </a:extLst>
           </p:cNvPr>
@@ -2117,7 +2116,7 @@
           <a:bodyPr/>
           <a:lstStyle/>
           <a:p>
-            <a:fld id="{B9BF5304-8293-406F-8F5B-287AC3D00D62}" type="slidenum">
+            <a:fld id="{F6F9800A-3BD3-41B0-AA9B-D44257CAC15C}" type="slidenum">
               <a:rPr lang="en-US" smtClean="0"/>
               <a:t>‹#›</a:t>
             </a:fld>
@@ -2128,7 +2127,7 @@
     </p:spTree>
     <p:extLst>
       <p:ext uri="{BB962C8B-B14F-4D97-AF65-F5344CB8AC3E}">
-        <p14:creationId xmlns:p14="http://schemas.microsoft.com/office/powerpoint/2010/main" val="4223093741"/>
+        <p14:creationId xmlns:p14="http://schemas.microsoft.com/office/powerpoint/2010/main" val="837325867"/>
       </p:ext>
     </p:extLst>
   </p:cSld>
@@ -2160,7 +2159,7 @@
           <p:cNvPr id="2" name="Title 1">
             <a:extLst>
               <a:ext uri="{FF2B5EF4-FFF2-40B4-BE49-F238E27FC236}">
-                <a16:creationId xmlns:a16="http://schemas.microsoft.com/office/drawing/2014/main" id="{3620F51A-2526-578A-7A6B-684CDD768F1A}"/>
+                <a16:creationId xmlns:a16="http://schemas.microsoft.com/office/drawing/2014/main" id="{D0986C7B-1EE6-1B26-6563-8990A52DAA41}"/>
               </a:ext>
             </a:extLst>
           </p:cNvPr>
@@ -2197,7 +2196,7 @@
           <p:cNvPr id="3" name="Content Placeholder 2">
             <a:extLst>
               <a:ext uri="{FF2B5EF4-FFF2-40B4-BE49-F238E27FC236}">
-                <a16:creationId xmlns:a16="http://schemas.microsoft.com/office/drawing/2014/main" id="{CAC0E2B3-FA5B-EB42-C1AC-DAA8D258766D}"/>
+                <a16:creationId xmlns:a16="http://schemas.microsoft.com/office/drawing/2014/main" id="{A6576442-27BD-A5DA-FDF1-1D0EB37FFCB4}"/>
               </a:ext>
             </a:extLst>
           </p:cNvPr>
@@ -2287,7 +2286,7 @@
           <p:cNvPr id="4" name="Text Placeholder 3">
             <a:extLst>
               <a:ext uri="{FF2B5EF4-FFF2-40B4-BE49-F238E27FC236}">
-                <a16:creationId xmlns:a16="http://schemas.microsoft.com/office/drawing/2014/main" id="{F92C82F0-90AC-711D-5E03-1B0CA715AA5B}"/>
+                <a16:creationId xmlns:a16="http://schemas.microsoft.com/office/drawing/2014/main" id="{B7D5B8D1-3235-C5D9-A70F-3C9A39E39F5A}"/>
               </a:ext>
             </a:extLst>
           </p:cNvPr>
@@ -2358,7 +2357,7 @@
           <p:cNvPr id="5" name="Date Placeholder 4">
             <a:extLst>
               <a:ext uri="{FF2B5EF4-FFF2-40B4-BE49-F238E27FC236}">
-                <a16:creationId xmlns:a16="http://schemas.microsoft.com/office/drawing/2014/main" id="{82744F50-D4F0-70FA-E3DB-972963E75BA3}"/>
+                <a16:creationId xmlns:a16="http://schemas.microsoft.com/office/drawing/2014/main" id="{80966B9A-A51A-C14E-DE7B-7D1DC73D8F94}"/>
               </a:ext>
             </a:extLst>
           </p:cNvPr>
@@ -2374,7 +2373,7 @@
           <a:bodyPr/>
           <a:lstStyle/>
           <a:p>
-            <a:fld id="{461BD409-DA47-4654-886D-9D0C5D89F611}" type="datetimeFigureOut">
+            <a:fld id="{D29B1D8A-FDDB-4734-AB1B-0E0871965C29}" type="datetimeFigureOut">
               <a:rPr lang="en-US" smtClean="0"/>
               <a:t>5/4/2025</a:t>
             </a:fld>
@@ -2387,7 +2386,7 @@
           <p:cNvPr id="6" name="Footer Placeholder 5">
             <a:extLst>
               <a:ext uri="{FF2B5EF4-FFF2-40B4-BE49-F238E27FC236}">
-                <a16:creationId xmlns:a16="http://schemas.microsoft.com/office/drawing/2014/main" id="{5F4D7818-7921-5FA2-BB34-1B56C2BCC3E1}"/>
+                <a16:creationId xmlns:a16="http://schemas.microsoft.com/office/drawing/2014/main" id="{7E416CEE-830A-07E7-59D3-C4C20E35D7CA}"/>
               </a:ext>
             </a:extLst>
           </p:cNvPr>
@@ -2412,7 +2411,7 @@
           <p:cNvPr id="7" name="Slide Number Placeholder 6">
             <a:extLst>
               <a:ext uri="{FF2B5EF4-FFF2-40B4-BE49-F238E27FC236}">
-                <a16:creationId xmlns:a16="http://schemas.microsoft.com/office/drawing/2014/main" id="{ED5DA221-A7E8-816C-57CC-14FC277E9FD6}"/>
+                <a16:creationId xmlns:a16="http://schemas.microsoft.com/office/drawing/2014/main" id="{D0397774-6FA9-10C8-6EB2-AE93B95536AD}"/>
               </a:ext>
             </a:extLst>
           </p:cNvPr>
@@ -2428,7 +2427,7 @@
           <a:bodyPr/>
           <a:lstStyle/>
           <a:p>
-            <a:fld id="{B9BF5304-8293-406F-8F5B-287AC3D00D62}" type="slidenum">
+            <a:fld id="{F6F9800A-3BD3-41B0-AA9B-D44257CAC15C}" type="slidenum">
               <a:rPr lang="en-US" smtClean="0"/>
               <a:t>‹#›</a:t>
             </a:fld>
@@ -2439,7 +2438,7 @@
     </p:spTree>
     <p:extLst>
       <p:ext uri="{BB962C8B-B14F-4D97-AF65-F5344CB8AC3E}">
-        <p14:creationId xmlns:p14="http://schemas.microsoft.com/office/powerpoint/2010/main" val="3981127809"/>
+        <p14:creationId xmlns:p14="http://schemas.microsoft.com/office/powerpoint/2010/main" val="3103489798"/>
       </p:ext>
     </p:extLst>
   </p:cSld>
@@ -2471,7 +2470,7 @@
           <p:cNvPr id="2" name="Title 1">
             <a:extLst>
               <a:ext uri="{FF2B5EF4-FFF2-40B4-BE49-F238E27FC236}">
-                <a16:creationId xmlns:a16="http://schemas.microsoft.com/office/drawing/2014/main" id="{632C7FFB-B7EC-DA41-3CF8-E628B9A2183C}"/>
+                <a16:creationId xmlns:a16="http://schemas.microsoft.com/office/drawing/2014/main" id="{65ED6D96-7524-D948-0991-4EF1D4EFDE41}"/>
               </a:ext>
             </a:extLst>
           </p:cNvPr>
@@ -2508,7 +2507,7 @@
           <p:cNvPr id="3" name="Picture Placeholder 2">
             <a:extLst>
               <a:ext uri="{FF2B5EF4-FFF2-40B4-BE49-F238E27FC236}">
-                <a16:creationId xmlns:a16="http://schemas.microsoft.com/office/drawing/2014/main" id="{B84AF9F6-1910-332C-2351-DDD6145A8C37}"/>
+                <a16:creationId xmlns:a16="http://schemas.microsoft.com/office/drawing/2014/main" id="{68E3EFDC-56DC-BDA6-0559-57AEAEB4C728}"/>
               </a:ext>
             </a:extLst>
           </p:cNvPr>
@@ -2575,7 +2574,7 @@
           <p:cNvPr id="4" name="Text Placeholder 3">
             <a:extLst>
               <a:ext uri="{FF2B5EF4-FFF2-40B4-BE49-F238E27FC236}">
-                <a16:creationId xmlns:a16="http://schemas.microsoft.com/office/drawing/2014/main" id="{C4EF78CD-2683-ADC0-7BBF-5B3EF026BB38}"/>
+                <a16:creationId xmlns:a16="http://schemas.microsoft.com/office/drawing/2014/main" id="{E6DD9178-1481-494C-B0F5-E95DCA1C6CC2}"/>
               </a:ext>
             </a:extLst>
           </p:cNvPr>
@@ -2646,7 +2645,7 @@
           <p:cNvPr id="5" name="Date Placeholder 4">
             <a:extLst>
               <a:ext uri="{FF2B5EF4-FFF2-40B4-BE49-F238E27FC236}">
-                <a16:creationId xmlns:a16="http://schemas.microsoft.com/office/drawing/2014/main" id="{DF2FA355-A6F3-312E-0D32-6E860D966CC2}"/>
+                <a16:creationId xmlns:a16="http://schemas.microsoft.com/office/drawing/2014/main" id="{E40737A8-2A77-9D42-D5DE-1E2B7EB4E91B}"/>
               </a:ext>
             </a:extLst>
           </p:cNvPr>
@@ -2662,7 +2661,7 @@
           <a:bodyPr/>
           <a:lstStyle/>
           <a:p>
-            <a:fld id="{461BD409-DA47-4654-886D-9D0C5D89F611}" type="datetimeFigureOut">
+            <a:fld id="{D29B1D8A-FDDB-4734-AB1B-0E0871965C29}" type="datetimeFigureOut">
               <a:rPr lang="en-US" smtClean="0"/>
               <a:t>5/4/2025</a:t>
             </a:fld>
@@ -2675,7 +2674,7 @@
           <p:cNvPr id="6" name="Footer Placeholder 5">
             <a:extLst>
               <a:ext uri="{FF2B5EF4-FFF2-40B4-BE49-F238E27FC236}">
-                <a16:creationId xmlns:a16="http://schemas.microsoft.com/office/drawing/2014/main" id="{E9EF9257-9CF5-9C09-59E3-9ADDAB9B8DBA}"/>
+                <a16:creationId xmlns:a16="http://schemas.microsoft.com/office/drawing/2014/main" id="{24291A73-58FA-987A-1C71-3E3BD6F0FD09}"/>
               </a:ext>
             </a:extLst>
           </p:cNvPr>
@@ -2700,7 +2699,7 @@
           <p:cNvPr id="7" name="Slide Number Placeholder 6">
             <a:extLst>
               <a:ext uri="{FF2B5EF4-FFF2-40B4-BE49-F238E27FC236}">
-                <a16:creationId xmlns:a16="http://schemas.microsoft.com/office/drawing/2014/main" id="{88A3159A-A44E-5B46-30F4-EE09DCA696DA}"/>
+                <a16:creationId xmlns:a16="http://schemas.microsoft.com/office/drawing/2014/main" id="{7E26895F-80FE-B11A-3688-301972E9E8B9}"/>
               </a:ext>
             </a:extLst>
           </p:cNvPr>
@@ -2716,7 +2715,7 @@
           <a:bodyPr/>
           <a:lstStyle/>
           <a:p>
-            <a:fld id="{B9BF5304-8293-406F-8F5B-287AC3D00D62}" type="slidenum">
+            <a:fld id="{F6F9800A-3BD3-41B0-AA9B-D44257CAC15C}" type="slidenum">
               <a:rPr lang="en-US" smtClean="0"/>
               <a:t>‹#›</a:t>
             </a:fld>
@@ -2727,7 +2726,7 @@
     </p:spTree>
     <p:extLst>
       <p:ext uri="{BB962C8B-B14F-4D97-AF65-F5344CB8AC3E}">
-        <p14:creationId xmlns:p14="http://schemas.microsoft.com/office/powerpoint/2010/main" val="4229332402"/>
+        <p14:creationId xmlns:p14="http://schemas.microsoft.com/office/powerpoint/2010/main" val="2494046178"/>
       </p:ext>
     </p:extLst>
   </p:cSld>
@@ -2764,7 +2763,7 @@
           <p:cNvPr id="2" name="Title Placeholder 1">
             <a:extLst>
               <a:ext uri="{FF2B5EF4-FFF2-40B4-BE49-F238E27FC236}">
-                <a16:creationId xmlns:a16="http://schemas.microsoft.com/office/drawing/2014/main" id="{3FFA3119-30EA-F8E1-796E-1D8E1CAE36F4}"/>
+                <a16:creationId xmlns:a16="http://schemas.microsoft.com/office/drawing/2014/main" id="{E2042345-0FC0-EDA4-11BF-B9F6448BB531}"/>
               </a:ext>
             </a:extLst>
           </p:cNvPr>
@@ -2802,7 +2801,7 @@
           <p:cNvPr id="3" name="Text Placeholder 2">
             <a:extLst>
               <a:ext uri="{FF2B5EF4-FFF2-40B4-BE49-F238E27FC236}">
-                <a16:creationId xmlns:a16="http://schemas.microsoft.com/office/drawing/2014/main" id="{CE8D620F-7FD1-15C8-86E5-BEC8F4F276B5}"/>
+                <a16:creationId xmlns:a16="http://schemas.microsoft.com/office/drawing/2014/main" id="{3A9FD90B-51B5-AE9E-7A16-F7A0B74060E4}"/>
               </a:ext>
             </a:extLst>
           </p:cNvPr>
@@ -2869,7 +2868,7 @@
           <p:cNvPr id="4" name="Date Placeholder 3">
             <a:extLst>
               <a:ext uri="{FF2B5EF4-FFF2-40B4-BE49-F238E27FC236}">
-                <a16:creationId xmlns:a16="http://schemas.microsoft.com/office/drawing/2014/main" id="{DBEFBB9C-8EAE-33A7-7ADF-DF16A174E3B8}"/>
+                <a16:creationId xmlns:a16="http://schemas.microsoft.com/office/drawing/2014/main" id="{B3739C4D-7837-41BC-1BFF-A2346A5BD9E6}"/>
               </a:ext>
             </a:extLst>
           </p:cNvPr>
@@ -2903,7 +2902,7 @@
             </a:lvl1pPr>
           </a:lstStyle>
           <a:p>
-            <a:fld id="{461BD409-DA47-4654-886D-9D0C5D89F611}" type="datetimeFigureOut">
+            <a:fld id="{D29B1D8A-FDDB-4734-AB1B-0E0871965C29}" type="datetimeFigureOut">
               <a:rPr lang="en-US" smtClean="0"/>
               <a:t>5/4/2025</a:t>
             </a:fld>
@@ -2916,7 +2915,7 @@
           <p:cNvPr id="5" name="Footer Placeholder 4">
             <a:extLst>
               <a:ext uri="{FF2B5EF4-FFF2-40B4-BE49-F238E27FC236}">
-                <a16:creationId xmlns:a16="http://schemas.microsoft.com/office/drawing/2014/main" id="{9A909674-B48C-F09F-1CBD-3428AC17F694}"/>
+                <a16:creationId xmlns:a16="http://schemas.microsoft.com/office/drawing/2014/main" id="{56523EB9-615E-E6C9-4635-A0772CA30E1C}"/>
               </a:ext>
             </a:extLst>
           </p:cNvPr>
@@ -2959,7 +2958,7 @@
           <p:cNvPr id="6" name="Slide Number Placeholder 5">
             <a:extLst>
               <a:ext uri="{FF2B5EF4-FFF2-40B4-BE49-F238E27FC236}">
-                <a16:creationId xmlns:a16="http://schemas.microsoft.com/office/drawing/2014/main" id="{64479B15-1CF2-ABEF-D4DD-9B03F2E0F00B}"/>
+                <a16:creationId xmlns:a16="http://schemas.microsoft.com/office/drawing/2014/main" id="{FDB4B5C9-1327-3C41-478A-AE2859AA70D1}"/>
               </a:ext>
             </a:extLst>
           </p:cNvPr>
@@ -2993,7 +2992,7 @@
             </a:lvl1pPr>
           </a:lstStyle>
           <a:p>
-            <a:fld id="{B9BF5304-8293-406F-8F5B-287AC3D00D62}" type="slidenum">
+            <a:fld id="{F6F9800A-3BD3-41B0-AA9B-D44257CAC15C}" type="slidenum">
               <a:rPr lang="en-US" smtClean="0"/>
               <a:t>‹#›</a:t>
             </a:fld>
@@ -3004,7 +3003,7 @@
     </p:spTree>
     <p:extLst>
       <p:ext uri="{BB962C8B-B14F-4D97-AF65-F5344CB8AC3E}">
-        <p14:creationId xmlns:p14="http://schemas.microsoft.com/office/powerpoint/2010/main" val="1811972627"/>
+        <p14:creationId xmlns:p14="http://schemas.microsoft.com/office/powerpoint/2010/main" val="2116395744"/>
       </p:ext>
     </p:extLst>
   </p:cSld>
@@ -3324,46 +3323,53 @@
       </p:grpSpPr>
       <p:sp>
         <p:nvSpPr>
-          <p:cNvPr id="2" name="Rectangle 1">
-            <a:extLst>
-              <a:ext uri="{FF2B5EF4-FFF2-40B4-BE49-F238E27FC236}">
-                <a16:creationId xmlns:a16="http://schemas.microsoft.com/office/drawing/2014/main" id="{3CB9D4CD-5FF8-D06D-964F-DF47784B659C}"/>
-              </a:ext>
-            </a:extLst>
-          </p:cNvPr>
-          <p:cNvSpPr/>
-          <p:nvPr/>
-        </p:nvSpPr>
-        <p:spPr>
-          <a:xfrm>
-            <a:off x="1903751" y="989351"/>
-            <a:ext cx="5696262" cy="2439649"/>
-          </a:xfrm>
-          <a:prstGeom prst="rect">
-            <a:avLst/>
-          </a:prstGeom>
-        </p:spPr>
-        <p:style>
-          <a:lnRef idx="2">
-            <a:schemeClr val="accent1">
-              <a:shade val="15000"/>
-            </a:schemeClr>
-          </a:lnRef>
-          <a:fillRef idx="1">
-            <a:schemeClr val="accent1"/>
-          </a:fillRef>
-          <a:effectRef idx="0">
-            <a:schemeClr val="accent1"/>
-          </a:effectRef>
-          <a:fontRef idx="minor">
-            <a:schemeClr val="lt1"/>
-          </a:fontRef>
-        </p:style>
-        <p:txBody>
-          <a:bodyPr rtlCol="0" anchor="ctr"/>
-          <a:lstStyle/>
-          <a:p>
-            <a:pPr algn="ctr"/>
+          <p:cNvPr id="2" name="Title 1">
+            <a:extLst>
+              <a:ext uri="{FF2B5EF4-FFF2-40B4-BE49-F238E27FC236}">
+                <a16:creationId xmlns:a16="http://schemas.microsoft.com/office/drawing/2014/main" id="{63F92C8F-2296-69BA-0A29-8D7265F752B3}"/>
+              </a:ext>
+            </a:extLst>
+          </p:cNvPr>
+          <p:cNvSpPr>
+            <a:spLocks noGrp="1"/>
+          </p:cNvSpPr>
+          <p:nvPr>
+            <p:ph type="ctrTitle"/>
+          </p:nvPr>
+        </p:nvSpPr>
+        <p:spPr/>
+        <p:txBody>
+          <a:bodyPr/>
+          <a:lstStyle/>
+          <a:p>
+            <a:r>
+              <a:rPr lang="en-US"/>
+              <a:t>Lje;eftn4bit;vi;v</a:t>
+            </a:r>
+          </a:p>
+        </p:txBody>
+      </p:sp>
+      <p:sp>
+        <p:nvSpPr>
+          <p:cNvPr id="3" name="Subtitle 2">
+            <a:extLst>
+              <a:ext uri="{FF2B5EF4-FFF2-40B4-BE49-F238E27FC236}">
+                <a16:creationId xmlns:a16="http://schemas.microsoft.com/office/drawing/2014/main" id="{23227C74-C21A-E788-60AC-6B43F8318894}"/>
+              </a:ext>
+            </a:extLst>
+          </p:cNvPr>
+          <p:cNvSpPr>
+            <a:spLocks noGrp="1"/>
+          </p:cNvSpPr>
+          <p:nvPr>
+            <p:ph type="subTitle" idx="1"/>
+          </p:nvPr>
+        </p:nvSpPr>
+        <p:spPr/>
+        <p:txBody>
+          <a:bodyPr/>
+          <a:lstStyle/>
+          <a:p>
             <a:endParaRPr lang="en-US"/>
           </a:p>
         </p:txBody>
@@ -3371,76 +3377,7 @@
     </p:spTree>
     <p:extLst>
       <p:ext uri="{BB962C8B-B14F-4D97-AF65-F5344CB8AC3E}">
-        <p14:creationId xmlns:p14="http://schemas.microsoft.com/office/powerpoint/2010/main" val="298118928"/>
-      </p:ext>
-    </p:extLst>
-  </p:cSld>
-  <p:clrMapOvr>
-    <a:masterClrMapping/>
-  </p:clrMapOvr>
-</p:sld>
-</file>
-
-<file path=ppt/slides/slide2.xml><?xml version="1.0" encoding="utf-8"?>
-<p:sld xmlns:a="http://schemas.openxmlformats.org/drawingml/2006/main" xmlns:r="http://schemas.openxmlformats.org/officeDocument/2006/relationships" xmlns:p="http://schemas.openxmlformats.org/presentationml/2006/main">
-  <p:cSld>
-    <p:spTree>
-      <p:nvGrpSpPr>
-        <p:cNvPr id="1" name=""/>
-        <p:cNvGrpSpPr/>
-        <p:nvPr/>
-      </p:nvGrpSpPr>
-      <p:grpSpPr>
-        <a:xfrm>
-          <a:off x="0" y="0"/>
-          <a:ext cx="0" cy="0"/>
-          <a:chOff x="0" y="0"/>
-          <a:chExt cx="0" cy="0"/>
-        </a:xfrm>
-      </p:grpSpPr>
-      <p:pic>
-        <p:nvPicPr>
-          <p:cNvPr id="3" name="Picture 2" descr="A cartoon penguin with a red nose">
-            <a:extLst>
-              <a:ext uri="{FF2B5EF4-FFF2-40B4-BE49-F238E27FC236}">
-                <a16:creationId xmlns:a16="http://schemas.microsoft.com/office/drawing/2014/main" id="{43336882-CF43-8F29-F73E-A9A8947DF59A}"/>
-              </a:ext>
-            </a:extLst>
-          </p:cNvPr>
-          <p:cNvPicPr>
-            <a:picLocks noChangeAspect="1"/>
-          </p:cNvPicPr>
-          <p:nvPr/>
-        </p:nvPicPr>
-        <p:blipFill>
-          <a:blip r:embed="rId2">
-            <a:extLst>
-              <a:ext uri="{28A0092B-C50C-407E-A947-70E740481C1C}">
-                <a14:useLocalDpi xmlns:a14="http://schemas.microsoft.com/office/drawing/2010/main" val="0"/>
-              </a:ext>
-              <a:ext uri="{837473B0-CC2E-450A-ABE3-18F120FF3D39}">
-                <a1611:picAttrSrcUrl xmlns:a1611="http://schemas.microsoft.com/office/drawing/2016/11/main" r:id="rId3"/>
-              </a:ext>
-            </a:extLst>
-          </a:blip>
-          <a:stretch>
-            <a:fillRect/>
-          </a:stretch>
-        </p:blipFill>
-        <p:spPr>
-          <a:xfrm>
-            <a:off x="3386528" y="164892"/>
-            <a:ext cx="5067925" cy="5067925"/>
-          </a:xfrm>
-          <a:prstGeom prst="rect">
-            <a:avLst/>
-          </a:prstGeom>
-        </p:spPr>
-      </p:pic>
-    </p:spTree>
-    <p:extLst>
-      <p:ext uri="{BB962C8B-B14F-4D97-AF65-F5344CB8AC3E}">
-        <p14:creationId xmlns:p14="http://schemas.microsoft.com/office/powerpoint/2010/main" val="1125033336"/>
+        <p14:creationId xmlns:p14="http://schemas.microsoft.com/office/powerpoint/2010/main" val="3272741677"/>
       </p:ext>
     </p:extLst>
   </p:cSld>
